--- a/Consegna/Presentation13_Craciun_Ferri_Picchianti.pptx
+++ b/Consegna/Presentation13_Craciun_Ferri_Picchianti.pptx
@@ -7553,7 +7553,7 @@
                 <a:latin typeface="Cambria" panose="02040503050406030204" pitchFamily="18" charset="0"/>
                 <a:ea typeface="Cambria" panose="02040503050406030204" pitchFamily="18" charset="0"/>
               </a:rPr>
-              <a:t>ids</a:t>
+              <a:t>IDs</a:t>
             </a:r>
             <a:endParaRPr lang="it-IT" sz="1600" i="1" dirty="0">
               <a:solidFill>
@@ -7979,7 +7979,7 @@
                 <a:latin typeface="Cambria" panose="02040503050406030204" pitchFamily="18" charset="0"/>
                 <a:ea typeface="Cambria" panose="02040503050406030204" pitchFamily="18" charset="0"/>
               </a:rPr>
-              <a:t>,  dataset id </a:t>
+              <a:t>,  dataset ID is </a:t>
             </a:r>
             <a:r>
               <a:rPr lang="it-IT" sz="1600" i="1" dirty="0" err="1">
@@ -7992,7 +7992,34 @@
                 <a:latin typeface="Cambria" panose="02040503050406030204" pitchFamily="18" charset="0"/>
                 <a:ea typeface="Cambria" panose="02040503050406030204" pitchFamily="18" charset="0"/>
               </a:rPr>
-              <a:t>is</a:t>
+              <a:t>required</a:t>
+            </a:r>
+            <a:endParaRPr lang="it-IT" sz="1600" dirty="0">
+              <a:latin typeface="Cambria" panose="02040503050406030204" pitchFamily="18" charset="0"/>
+              <a:ea typeface="Cambria" panose="02040503050406030204" pitchFamily="18" charset="0"/>
+            </a:endParaRPr>
+          </a:p>
+          <a:p>
+            <a:r>
+              <a:rPr lang="it-IT" sz="1600" dirty="0">
+                <a:latin typeface="Cambria" panose="02040503050406030204" pitchFamily="18" charset="0"/>
+                <a:ea typeface="Cambria" panose="02040503050406030204" pitchFamily="18" charset="0"/>
+              </a:rPr>
+              <a:t>    </a:t>
+            </a:r>
+            <a:r>
+              <a:rPr lang="it-IT" sz="1600" dirty="0" err="1">
+                <a:latin typeface="Cambria" panose="02040503050406030204" pitchFamily="18" charset="0"/>
+                <a:ea typeface="Cambria" panose="02040503050406030204" pitchFamily="18" charset="0"/>
+              </a:rPr>
+              <a:t>prepare</a:t>
+            </a:r>
+            <a:r>
+              <a:rPr lang="it-IT" sz="1600" dirty="0">
+                <a:latin typeface="Cambria" panose="02040503050406030204" pitchFamily="18" charset="0"/>
+                <a:ea typeface="Cambria" panose="02040503050406030204" pitchFamily="18" charset="0"/>
+              </a:rPr>
+              <a:t> data   </a:t>
             </a:r>
             <a:r>
               <a:rPr lang="it-IT" sz="1600" i="1" dirty="0">
@@ -8005,7 +8032,7 @@
                 <a:latin typeface="Cambria" panose="02040503050406030204" pitchFamily="18" charset="0"/>
                 <a:ea typeface="Cambria" panose="02040503050406030204" pitchFamily="18" charset="0"/>
               </a:rPr>
-              <a:t> </a:t>
+              <a:t>\\ </a:t>
             </a:r>
             <a:r>
               <a:rPr lang="it-IT" sz="1600" i="1" dirty="0" err="1">
@@ -8018,34 +8045,7 @@
                 <a:latin typeface="Cambria" panose="02040503050406030204" pitchFamily="18" charset="0"/>
                 <a:ea typeface="Cambria" panose="02040503050406030204" pitchFamily="18" charset="0"/>
               </a:rPr>
-              <a:t>required</a:t>
-            </a:r>
-            <a:endParaRPr lang="it-IT" sz="1600" dirty="0">
-              <a:latin typeface="Cambria" panose="02040503050406030204" pitchFamily="18" charset="0"/>
-              <a:ea typeface="Cambria" panose="02040503050406030204" pitchFamily="18" charset="0"/>
-            </a:endParaRPr>
-          </a:p>
-          <a:p>
-            <a:r>
-              <a:rPr lang="it-IT" sz="1600" dirty="0">
-                <a:latin typeface="Cambria" panose="02040503050406030204" pitchFamily="18" charset="0"/>
-                <a:ea typeface="Cambria" panose="02040503050406030204" pitchFamily="18" charset="0"/>
-              </a:rPr>
-              <a:t>    </a:t>
-            </a:r>
-            <a:r>
-              <a:rPr lang="it-IT" sz="1600" dirty="0" err="1">
-                <a:latin typeface="Cambria" panose="02040503050406030204" pitchFamily="18" charset="0"/>
-                <a:ea typeface="Cambria" panose="02040503050406030204" pitchFamily="18" charset="0"/>
-              </a:rPr>
-              <a:t>prepare</a:t>
-            </a:r>
-            <a:r>
-              <a:rPr lang="it-IT" sz="1600" dirty="0">
-                <a:latin typeface="Cambria" panose="02040503050406030204" pitchFamily="18" charset="0"/>
-                <a:ea typeface="Cambria" panose="02040503050406030204" pitchFamily="18" charset="0"/>
-              </a:rPr>
-              <a:t> data   </a:t>
+              <a:t>done</a:t>
             </a:r>
             <a:r>
               <a:rPr lang="it-IT" sz="1600" i="1" dirty="0">
@@ -8058,7 +8058,7 @@
                 <a:latin typeface="Cambria" panose="02040503050406030204" pitchFamily="18" charset="0"/>
                 <a:ea typeface="Cambria" panose="02040503050406030204" pitchFamily="18" charset="0"/>
               </a:rPr>
-              <a:t>\\ </a:t>
+              <a:t> with a custom </a:t>
             </a:r>
             <a:r>
               <a:rPr lang="it-IT" sz="1600" i="1" dirty="0" err="1">
@@ -8071,7 +8071,7 @@
                 <a:latin typeface="Cambria" panose="02040503050406030204" pitchFamily="18" charset="0"/>
                 <a:ea typeface="Cambria" panose="02040503050406030204" pitchFamily="18" charset="0"/>
               </a:rPr>
-              <a:t>done</a:t>
+              <a:t>function</a:t>
             </a:r>
             <a:r>
               <a:rPr lang="it-IT" sz="1600" i="1" dirty="0">
@@ -8084,32 +8084,6 @@
                 <a:latin typeface="Cambria" panose="02040503050406030204" pitchFamily="18" charset="0"/>
                 <a:ea typeface="Cambria" panose="02040503050406030204" pitchFamily="18" charset="0"/>
               </a:rPr>
-              <a:t> with a custom </a:t>
-            </a:r>
-            <a:r>
-              <a:rPr lang="it-IT" sz="1600" i="1" dirty="0" err="1">
-                <a:solidFill>
-                  <a:schemeClr val="tx1">
-                    <a:lumMod val="50000"/>
-                    <a:lumOff val="50000"/>
-                  </a:schemeClr>
-                </a:solidFill>
-                <a:latin typeface="Cambria" panose="02040503050406030204" pitchFamily="18" charset="0"/>
-                <a:ea typeface="Cambria" panose="02040503050406030204" pitchFamily="18" charset="0"/>
-              </a:rPr>
-              <a:t>function</a:t>
-            </a:r>
-            <a:r>
-              <a:rPr lang="it-IT" sz="1600" i="1" dirty="0">
-                <a:solidFill>
-                  <a:schemeClr val="tx1">
-                    <a:lumMod val="50000"/>
-                    <a:lumOff val="50000"/>
-                  </a:schemeClr>
-                </a:solidFill>
-                <a:latin typeface="Cambria" panose="02040503050406030204" pitchFamily="18" charset="0"/>
-                <a:ea typeface="Cambria" panose="02040503050406030204" pitchFamily="18" charset="0"/>
-              </a:rPr>
               <a:t>  </a:t>
             </a:r>
             <a:endParaRPr lang="it-IT" sz="1600" dirty="0">
@@ -8204,35 +8178,21 @@
                 <a:latin typeface="Cambria" panose="02040503050406030204" pitchFamily="18" charset="0"/>
                 <a:ea typeface="Cambria" panose="02040503050406030204" pitchFamily="18" charset="0"/>
               </a:rPr>
-              <a:t> </a:t>
+              <a:t> is «</a:t>
             </a:r>
             <a:r>
               <a:rPr lang="it-IT" sz="1600" b="1" dirty="0" err="1">
                 <a:latin typeface="Cambria" panose="02040503050406030204" pitchFamily="18" charset="0"/>
                 <a:ea typeface="Cambria" panose="02040503050406030204" pitchFamily="18" charset="0"/>
               </a:rPr>
-              <a:t>is</a:t>
+              <a:t>onehot</a:t>
             </a:r>
             <a:r>
               <a:rPr lang="it-IT" sz="1600" b="1" dirty="0">
                 <a:latin typeface="Cambria" panose="02040503050406030204" pitchFamily="18" charset="0"/>
                 <a:ea typeface="Cambria" panose="02040503050406030204" pitchFamily="18" charset="0"/>
               </a:rPr>
-              <a:t> «</a:t>
-            </a:r>
-            <a:r>
-              <a:rPr lang="it-IT" sz="1600" b="1" dirty="0" err="1">
-                <a:latin typeface="Cambria" panose="02040503050406030204" pitchFamily="18" charset="0"/>
-                <a:ea typeface="Cambria" panose="02040503050406030204" pitchFamily="18" charset="0"/>
-              </a:rPr>
-              <a:t>onehot</a:t>
-            </a:r>
-            <a:r>
-              <a:rPr lang="it-IT" sz="1600" b="1" dirty="0">
-                <a:latin typeface="Cambria" panose="02040503050406030204" pitchFamily="18" charset="0"/>
-                <a:ea typeface="Cambria" panose="02040503050406030204" pitchFamily="18" charset="0"/>
-              </a:rPr>
-              <a:t>» or «dummy» or «none»:</a:t>
+              <a:t>» or «dummy»:</a:t>
             </a:r>
             <a:r>
               <a:rPr lang="it-IT" sz="1600" dirty="0">
@@ -24299,8 +24259,8 @@
           </p:sp>
         </mc:Fallback>
       </mc:AlternateContent>
-      <mc:AlternateContent xmlns:mc="http://schemas.openxmlformats.org/markup-compatibility/2006">
-        <mc:Choice xmlns:a14="http://schemas.microsoft.com/office/drawing/2010/main" Requires="a14">
+      <mc:AlternateContent xmlns:mc="http://schemas.openxmlformats.org/markup-compatibility/2006" xmlns:a14="http://schemas.microsoft.com/office/drawing/2010/main">
+        <mc:Choice Requires="a14">
           <p:sp>
             <p:nvSpPr>
               <p:cNvPr id="11" name="TextBox 10">
@@ -24461,7 +24421,7 @@
             </p:txBody>
           </p:sp>
         </mc:Choice>
-        <mc:Fallback>
+        <mc:Fallback xmlns="">
           <p:sp>
             <p:nvSpPr>
               <p:cNvPr id="11" name="TextBox 10">
